--- a/ML-PROJECT-PART-2.pptx
+++ b/ML-PROJECT-PART-2.pptx
@@ -21101,6 +21101,233 @@
           </a:prstGeom>
         </p:spPr>
       </p:pic>
+      <p:sp>
+        <p:nvSpPr>
+          <p:cNvPr id="24" name="Content Placeholder 10">
+            <a:extLst>
+              <a:ext uri="{FF2B5EF4-FFF2-40B4-BE49-F238E27FC236}">
+                <a16:creationId xmlns:a16="http://schemas.microsoft.com/office/drawing/2014/main" id="{109FCC45-3AAD-4E2F-AF6C-1E04A98E932A}"/>
+              </a:ext>
+            </a:extLst>
+          </p:cNvPr>
+          <p:cNvSpPr txBox="1">
+            <a:spLocks/>
+          </p:cNvSpPr>
+          <p:nvPr/>
+        </p:nvSpPr>
+        <p:spPr>
+          <a:xfrm>
+            <a:off x="596809" y="2124598"/>
+            <a:ext cx="4628440" cy="3892859"/>
+          </a:xfrm>
+          <a:prstGeom prst="rect">
+            <a:avLst/>
+          </a:prstGeom>
+        </p:spPr>
+        <p:txBody>
+          <a:bodyPr vert="horz" lIns="0" tIns="0" rIns="0" bIns="0" rtlCol="0">
+            <a:normAutofit/>
+          </a:bodyPr>
+          <a:lstStyle>
+            <a:lvl1pPr marL="171450" indent="-171450" algn="l" defTabSz="685800" rtl="0" eaLnBrk="1" latinLnBrk="0" hangingPunct="1">
+              <a:lnSpc>
+                <a:spcPct val="100000"/>
+              </a:lnSpc>
+              <a:spcBef>
+                <a:spcPts val="750"/>
+              </a:spcBef>
+              <a:buClr>
+                <a:schemeClr val="tx2"/>
+              </a:buClr>
+              <a:buSzPct val="95000"/>
+              <a:buFont typeface="Arial" panose="020B0604020202020204" pitchFamily="34" charset="0"/>
+              <a:buChar char="•"/>
+              <a:defRPr sz="2400" kern="1200">
+                <a:solidFill>
+                  <a:schemeClr val="tx1"/>
+                </a:solidFill>
+                <a:latin typeface="Roboto" panose="02000000000000000000" pitchFamily="2" charset="0"/>
+                <a:ea typeface="Roboto" panose="02000000000000000000" pitchFamily="2" charset="0"/>
+                <a:cs typeface="Arial" panose="020B0604020202020204" pitchFamily="34" charset="0"/>
+              </a:defRPr>
+            </a:lvl1pPr>
+            <a:lvl2pPr marL="514350" indent="-171450" algn="l" defTabSz="685800" rtl="0" eaLnBrk="1" latinLnBrk="0" hangingPunct="1">
+              <a:lnSpc>
+                <a:spcPct val="100000"/>
+              </a:lnSpc>
+              <a:spcBef>
+                <a:spcPts val="375"/>
+              </a:spcBef>
+              <a:buClr>
+                <a:schemeClr val="tx2"/>
+              </a:buClr>
+              <a:buFont typeface="Roboto" panose="02000000000000000000" pitchFamily="2" charset="0"/>
+              <a:buChar char="–"/>
+              <a:defRPr sz="2000" kern="1200">
+                <a:solidFill>
+                  <a:schemeClr val="tx1"/>
+                </a:solidFill>
+                <a:latin typeface="Roboto" panose="02000000000000000000" pitchFamily="2" charset="0"/>
+                <a:ea typeface="Roboto" panose="02000000000000000000" pitchFamily="2" charset="0"/>
+                <a:cs typeface="Arial" panose="020B0604020202020204" pitchFamily="34" charset="0"/>
+              </a:defRPr>
+            </a:lvl2pPr>
+            <a:lvl3pPr marL="857250" indent="-171450" algn="l" defTabSz="685800" rtl="0" eaLnBrk="1" latinLnBrk="0" hangingPunct="1">
+              <a:lnSpc>
+                <a:spcPct val="100000"/>
+              </a:lnSpc>
+              <a:spcBef>
+                <a:spcPts val="375"/>
+              </a:spcBef>
+              <a:buClr>
+                <a:schemeClr val="tx2"/>
+              </a:buClr>
+              <a:buFont typeface="Arial" panose="020B0604020202020204" pitchFamily="34" charset="0"/>
+              <a:buChar char="•"/>
+              <a:defRPr sz="1500" kern="1200">
+                <a:solidFill>
+                  <a:schemeClr val="tx1"/>
+                </a:solidFill>
+                <a:latin typeface="Roboto" panose="02000000000000000000" pitchFamily="2" charset="0"/>
+                <a:ea typeface="Roboto" panose="02000000000000000000" pitchFamily="2" charset="0"/>
+                <a:cs typeface="Arial" panose="020B0604020202020204" pitchFamily="34" charset="0"/>
+              </a:defRPr>
+            </a:lvl3pPr>
+            <a:lvl4pPr marL="1200150" indent="-171450" algn="l" defTabSz="685800" rtl="0" eaLnBrk="1" latinLnBrk="0" hangingPunct="1">
+              <a:lnSpc>
+                <a:spcPct val="100000"/>
+              </a:lnSpc>
+              <a:spcBef>
+                <a:spcPts val="375"/>
+              </a:spcBef>
+              <a:buClr>
+                <a:schemeClr val="tx2"/>
+              </a:buClr>
+              <a:buFont typeface="Arial" panose="020B0604020202020204" pitchFamily="34" charset="0"/>
+              <a:buChar char="‒"/>
+              <a:defRPr sz="1350" kern="1200">
+                <a:solidFill>
+                  <a:schemeClr val="tx1"/>
+                </a:solidFill>
+                <a:latin typeface="Roboto" panose="02000000000000000000" pitchFamily="2" charset="0"/>
+                <a:ea typeface="Roboto" panose="02000000000000000000" pitchFamily="2" charset="0"/>
+                <a:cs typeface="Arial" panose="020B0604020202020204" pitchFamily="34" charset="0"/>
+              </a:defRPr>
+            </a:lvl4pPr>
+            <a:lvl5pPr marL="1543050" indent="-171450" algn="l" defTabSz="685800" rtl="0" eaLnBrk="1" latinLnBrk="0" hangingPunct="1">
+              <a:lnSpc>
+                <a:spcPct val="100000"/>
+              </a:lnSpc>
+              <a:spcBef>
+                <a:spcPts val="375"/>
+              </a:spcBef>
+              <a:buClr>
+                <a:schemeClr val="tx2"/>
+              </a:buClr>
+              <a:buFont typeface="Arial" panose="020B0604020202020204" pitchFamily="34" charset="0"/>
+              <a:buChar char="•"/>
+              <a:defRPr sz="1350" kern="1200">
+                <a:solidFill>
+                  <a:schemeClr val="tx1"/>
+                </a:solidFill>
+                <a:latin typeface="Roboto" panose="02000000000000000000" pitchFamily="2" charset="0"/>
+                <a:ea typeface="Roboto" panose="02000000000000000000" pitchFamily="2" charset="0"/>
+                <a:cs typeface="Arial" panose="020B0604020202020204" pitchFamily="34" charset="0"/>
+              </a:defRPr>
+            </a:lvl5pPr>
+            <a:lvl6pPr marL="1885950" indent="-171450" algn="l" defTabSz="685800" rtl="0" eaLnBrk="1" latinLnBrk="0" hangingPunct="1">
+              <a:lnSpc>
+                <a:spcPct val="90000"/>
+              </a:lnSpc>
+              <a:spcBef>
+                <a:spcPts val="375"/>
+              </a:spcBef>
+              <a:buFont typeface="Arial" panose="020B0604020202020204" pitchFamily="34" charset="0"/>
+              <a:buChar char="•"/>
+              <a:defRPr sz="1350" kern="1200">
+                <a:solidFill>
+                  <a:schemeClr val="tx1"/>
+                </a:solidFill>
+                <a:latin typeface="+mn-lt"/>
+                <a:ea typeface="+mn-ea"/>
+                <a:cs typeface="+mn-cs"/>
+              </a:defRPr>
+            </a:lvl6pPr>
+            <a:lvl7pPr marL="2228850" indent="-171450" algn="l" defTabSz="685800" rtl="0" eaLnBrk="1" latinLnBrk="0" hangingPunct="1">
+              <a:lnSpc>
+                <a:spcPct val="90000"/>
+              </a:lnSpc>
+              <a:spcBef>
+                <a:spcPts val="375"/>
+              </a:spcBef>
+              <a:buFont typeface="Arial" panose="020B0604020202020204" pitchFamily="34" charset="0"/>
+              <a:buChar char="•"/>
+              <a:defRPr sz="1350" kern="1200">
+                <a:solidFill>
+                  <a:schemeClr val="tx1"/>
+                </a:solidFill>
+                <a:latin typeface="+mn-lt"/>
+                <a:ea typeface="+mn-ea"/>
+                <a:cs typeface="+mn-cs"/>
+              </a:defRPr>
+            </a:lvl7pPr>
+            <a:lvl8pPr marL="2571750" indent="-171450" algn="l" defTabSz="685800" rtl="0" eaLnBrk="1" latinLnBrk="0" hangingPunct="1">
+              <a:lnSpc>
+                <a:spcPct val="90000"/>
+              </a:lnSpc>
+              <a:spcBef>
+                <a:spcPts val="375"/>
+              </a:spcBef>
+              <a:buFont typeface="Arial" panose="020B0604020202020204" pitchFamily="34" charset="0"/>
+              <a:buChar char="•"/>
+              <a:defRPr sz="1350" kern="1200">
+                <a:solidFill>
+                  <a:schemeClr val="tx1"/>
+                </a:solidFill>
+                <a:latin typeface="+mn-lt"/>
+                <a:ea typeface="+mn-ea"/>
+                <a:cs typeface="+mn-cs"/>
+              </a:defRPr>
+            </a:lvl8pPr>
+            <a:lvl9pPr marL="2914650" indent="-171450" algn="l" defTabSz="685800" rtl="0" eaLnBrk="1" latinLnBrk="0" hangingPunct="1">
+              <a:lnSpc>
+                <a:spcPct val="90000"/>
+              </a:lnSpc>
+              <a:spcBef>
+                <a:spcPts val="375"/>
+              </a:spcBef>
+              <a:buFont typeface="Arial" panose="020B0604020202020204" pitchFamily="34" charset="0"/>
+              <a:buChar char="•"/>
+              <a:defRPr sz="1350" kern="1200">
+                <a:solidFill>
+                  <a:schemeClr val="tx1"/>
+                </a:solidFill>
+                <a:latin typeface="+mn-lt"/>
+                <a:ea typeface="+mn-ea"/>
+                <a:cs typeface="+mn-cs"/>
+              </a:defRPr>
+            </a:lvl9pPr>
+          </a:lstStyle>
+          <a:p>
+            <a:r>
+              <a:rPr lang="en-US" sz="2000" dirty="0"/>
+              <a:t>Using measurements from a network of environmental hazard sensors predict the values of certain features </a:t>
+            </a:r>
+          </a:p>
+          <a:p>
+            <a:r>
+              <a:rPr lang="en-US" sz="2000" dirty="0"/>
+              <a:t>Measurements available – Temperature, CO2, Sounds, VOC, PM, Humidity, and Time</a:t>
+            </a:r>
+          </a:p>
+          <a:p>
+            <a:r>
+              <a:rPr lang="en-US" sz="2000" dirty="0"/>
+              <a:t>Accurate results for Temperature, Sound and PM</a:t>
+            </a:r>
+          </a:p>
+        </p:txBody>
+      </p:sp>
     </p:spTree>
     <p:extLst>
       <p:ext uri="{BB962C8B-B14F-4D97-AF65-F5344CB8AC3E}">
@@ -21377,15 +21604,7 @@
           <a:p>
             <a:r>
               <a:rPr lang="en-US" sz="1800" dirty="0"/>
-              <a:t>Goal - Use an Autoencoder, train </a:t>
-            </a:r>
-            <a:r>
-              <a:rPr lang="en-US" sz="1800"/>
-              <a:t>a model </a:t>
-            </a:r>
-            <a:r>
-              <a:rPr lang="en-US" sz="1800" dirty="0"/>
-              <a:t>to classify device measurements into three categories </a:t>
+              <a:t>Goal - Use an Autoencoder, train a model to classify device measurements into three categories </a:t>
             </a:r>
           </a:p>
         </p:txBody>
@@ -21483,8 +21702,91 @@
           </a:bodyPr>
           <a:lstStyle/>
           <a:p>
-            <a:pPr lvl="1"/>
-            <a:endParaRPr lang="en-US" sz="1600" dirty="0"/>
+            <a:pPr lvl="1">
+              <a:buFont typeface="Arial" panose="020B0604020202020204" pitchFamily="34" charset="0"/>
+              <a:buChar char="•"/>
+            </a:pPr>
+            <a:r>
+              <a:rPr lang="en-US" sz="1600" dirty="0"/>
+              <a:t>Remove outliers from all datasets</a:t>
+            </a:r>
+          </a:p>
+          <a:p>
+            <a:pPr lvl="1">
+              <a:buFont typeface="Arial" panose="020B0604020202020204" pitchFamily="34" charset="0"/>
+              <a:buChar char="•"/>
+            </a:pPr>
+            <a:r>
+              <a:rPr lang="en-US" sz="1600" dirty="0"/>
+              <a:t>Replace Time feature with Sin transforms of Minute, Hour, and Day of Week</a:t>
+            </a:r>
+          </a:p>
+          <a:p>
+            <a:pPr lvl="1">
+              <a:buFont typeface="Arial" panose="020B0604020202020204" pitchFamily="34" charset="0"/>
+              <a:buChar char="•"/>
+            </a:pPr>
+            <a:r>
+              <a:rPr lang="en-US" sz="1600" dirty="0"/>
+              <a:t>Create Data loader objects from measurements</a:t>
+            </a:r>
+          </a:p>
+          <a:p>
+            <a:pPr lvl="1">
+              <a:buFont typeface="Arial" panose="020B0604020202020204" pitchFamily="34" charset="0"/>
+              <a:buChar char="•"/>
+            </a:pPr>
+            <a:r>
+              <a:rPr lang="en-US" sz="1600" dirty="0"/>
+              <a:t>Train using a Variational Auto-encoder</a:t>
+            </a:r>
+          </a:p>
+          <a:p>
+            <a:pPr lvl="2"/>
+            <a:r>
+              <a:rPr lang="en-US" sz="1100" dirty="0"/>
+              <a:t>Encoder contains 3 linear layers, with non-linear activation functions</a:t>
+            </a:r>
+          </a:p>
+          <a:p>
+            <a:pPr lvl="2"/>
+            <a:r>
+              <a:rPr lang="en-US" sz="1100" dirty="0"/>
+              <a:t>Decoder contains 3 linear layers, with non-linear activation functions</a:t>
+            </a:r>
+          </a:p>
+          <a:p>
+            <a:pPr lvl="2"/>
+            <a:r>
+              <a:rPr lang="en-US" sz="1100" dirty="0"/>
+              <a:t>A resample layer</a:t>
+            </a:r>
+          </a:p>
+          <a:p>
+            <a:pPr lvl="2"/>
+            <a:r>
+              <a:rPr lang="en-US" sz="1100" dirty="0"/>
+              <a:t>A forward method calling the encoder, resample layer, and decoder in that order and returning samples, mu and </a:t>
+            </a:r>
+            <a:r>
+              <a:rPr lang="en-US" sz="1100" dirty="0" err="1"/>
+              <a:t>logvar</a:t>
+            </a:r>
+            <a:endParaRPr lang="en-US" sz="1100" dirty="0"/>
+          </a:p>
+          <a:p>
+            <a:pPr lvl="2"/>
+            <a:r>
+              <a:rPr lang="en-US" sz="1100" dirty="0"/>
+              <a:t>Loss function of Binary Cross Entropy</a:t>
+            </a:r>
+          </a:p>
+          <a:p>
+            <a:pPr lvl="2"/>
+            <a:r>
+              <a:rPr lang="en-US" sz="1100" dirty="0"/>
+              <a:t>Using the mu value, the samples are separated into three categories </a:t>
+            </a:r>
           </a:p>
         </p:txBody>
       </p:sp>
@@ -21642,6 +21944,12 @@
             <a:r>
               <a:rPr lang="en-US" dirty="0"/>
               <a:t>Three distinct clusters of samples</a:t>
+            </a:r>
+          </a:p>
+          <a:p>
+            <a:r>
+              <a:rPr lang="en-US" dirty="0"/>
+              <a:t>Outliers were accurately recognized and labeled as unsafe</a:t>
             </a:r>
           </a:p>
           <a:p>
